--- a/FC conmeo.pptx
+++ b/FC conmeo.pptx
@@ -23,34 +23,36 @@
     <p:sldId id="272" r:id="rId17"/>
     <p:sldId id="273" r:id="rId18"/>
     <p:sldId id="277" r:id="rId19"/>
-    <p:sldId id="275" r:id="rId20"/>
-    <p:sldId id="280" r:id="rId21"/>
+    <p:sldId id="281" r:id="rId20"/>
+    <p:sldId id="282" r:id="rId21"/>
+    <p:sldId id="275" r:id="rId22"/>
+    <p:sldId id="280" r:id="rId23"/>
   </p:sldIdLst>
   <p:sldSz cx="18288000" cy="10287000"/>
   <p:notesSz cx="6858000" cy="9144000"/>
   <p:embeddedFontLst>
     <p:embeddedFont>
       <p:font typeface="Antic" panose="020B0604020202020204" charset="0"/>
-      <p:regular r:id="rId22"/>
+      <p:regular r:id="rId24"/>
     </p:embeddedFont>
     <p:embeddedFont>
       <p:font typeface="Calibri" panose="020F0502020204030204" pitchFamily="34" charset="0"/>
-      <p:regular r:id="rId23"/>
-      <p:bold r:id="rId24"/>
-      <p:italic r:id="rId25"/>
-      <p:boldItalic r:id="rId26"/>
+      <p:regular r:id="rId25"/>
+      <p:bold r:id="rId26"/>
+      <p:italic r:id="rId27"/>
+      <p:boldItalic r:id="rId28"/>
     </p:embeddedFont>
     <p:embeddedFont>
       <p:font typeface="Lato Bold Bold" panose="020B0604020202020204" charset="0"/>
-      <p:regular r:id="rId27"/>
+      <p:regular r:id="rId29"/>
     </p:embeddedFont>
     <p:embeddedFont>
       <p:font typeface="Montserrat Classic" panose="020B0604020202020204" charset="0"/>
-      <p:regular r:id="rId28"/>
+      <p:regular r:id="rId30"/>
     </p:embeddedFont>
     <p:embeddedFont>
       <p:font typeface="Sifonn" panose="020B0604020202020204" charset="0"/>
-      <p:regular r:id="rId29"/>
+      <p:regular r:id="rId31"/>
     </p:embeddedFont>
   </p:embeddedFontLst>
   <p:defaultTextStyle>
@@ -401,13 +403,13 @@
   <p:clrMapOvr>
     <a:masterClrMapping/>
   </p:clrMapOvr>
-  <mc:AlternateContent xmlns:mc="http://schemas.openxmlformats.org/markup-compatibility/2006">
-    <mc:Choice xmlns:p159="http://schemas.microsoft.com/office/powerpoint/2015/09/main" Requires="p159">
+  <mc:AlternateContent xmlns:mc="http://schemas.openxmlformats.org/markup-compatibility/2006" xmlns:p159="http://schemas.microsoft.com/office/powerpoint/2015/09/main">
+    <mc:Choice Requires="p159">
       <p:transition xmlns:p14="http://schemas.microsoft.com/office/powerpoint/2010/main" spd="slow" p14:dur="2000">
         <p159:morph option="byObject"/>
       </p:transition>
     </mc:Choice>
-    <mc:Fallback>
+    <mc:Fallback xmlns="">
       <p:transition spd="slow">
         <p:fade/>
       </p:transition>
@@ -578,13 +580,13 @@
   <p:clrMapOvr>
     <a:masterClrMapping/>
   </p:clrMapOvr>
-  <mc:AlternateContent xmlns:mc="http://schemas.openxmlformats.org/markup-compatibility/2006">
-    <mc:Choice xmlns:p159="http://schemas.microsoft.com/office/powerpoint/2015/09/main" Requires="p159">
+  <mc:AlternateContent xmlns:mc="http://schemas.openxmlformats.org/markup-compatibility/2006" xmlns:p159="http://schemas.microsoft.com/office/powerpoint/2015/09/main">
+    <mc:Choice Requires="p159">
       <p:transition xmlns:p14="http://schemas.microsoft.com/office/powerpoint/2010/main" spd="slow" p14:dur="2000">
         <p159:morph option="byObject"/>
       </p:transition>
     </mc:Choice>
-    <mc:Fallback>
+    <mc:Fallback xmlns="">
       <p:transition spd="slow">
         <p:fade/>
       </p:transition>
@@ -765,13 +767,13 @@
   <p:clrMapOvr>
     <a:masterClrMapping/>
   </p:clrMapOvr>
-  <mc:AlternateContent xmlns:mc="http://schemas.openxmlformats.org/markup-compatibility/2006">
-    <mc:Choice xmlns:p159="http://schemas.microsoft.com/office/powerpoint/2015/09/main" Requires="p159">
+  <mc:AlternateContent xmlns:mc="http://schemas.openxmlformats.org/markup-compatibility/2006" xmlns:p159="http://schemas.microsoft.com/office/powerpoint/2015/09/main">
+    <mc:Choice Requires="p159">
       <p:transition xmlns:p14="http://schemas.microsoft.com/office/powerpoint/2010/main" spd="slow" p14:dur="2000">
         <p159:morph option="byObject"/>
       </p:transition>
     </mc:Choice>
-    <mc:Fallback>
+    <mc:Fallback xmlns="">
       <p:transition spd="slow">
         <p:fade/>
       </p:transition>
@@ -942,13 +944,13 @@
   <p:clrMapOvr>
     <a:masterClrMapping/>
   </p:clrMapOvr>
-  <mc:AlternateContent xmlns:mc="http://schemas.openxmlformats.org/markup-compatibility/2006">
-    <mc:Choice xmlns:p159="http://schemas.microsoft.com/office/powerpoint/2015/09/main" Requires="p159">
+  <mc:AlternateContent xmlns:mc="http://schemas.openxmlformats.org/markup-compatibility/2006" xmlns:p159="http://schemas.microsoft.com/office/powerpoint/2015/09/main">
+    <mc:Choice Requires="p159">
       <p:transition xmlns:p14="http://schemas.microsoft.com/office/powerpoint/2010/main" spd="slow" p14:dur="2000">
         <p159:morph option="byObject"/>
       </p:transition>
     </mc:Choice>
-    <mc:Fallback>
+    <mc:Fallback xmlns="">
       <p:transition spd="slow">
         <p:fade/>
       </p:transition>
@@ -1196,13 +1198,13 @@
   <p:clrMapOvr>
     <a:masterClrMapping/>
   </p:clrMapOvr>
-  <mc:AlternateContent xmlns:mc="http://schemas.openxmlformats.org/markup-compatibility/2006">
-    <mc:Choice xmlns:p159="http://schemas.microsoft.com/office/powerpoint/2015/09/main" Requires="p159">
+  <mc:AlternateContent xmlns:mc="http://schemas.openxmlformats.org/markup-compatibility/2006" xmlns:p159="http://schemas.microsoft.com/office/powerpoint/2015/09/main">
+    <mc:Choice Requires="p159">
       <p:transition xmlns:p14="http://schemas.microsoft.com/office/powerpoint/2010/main" spd="slow" p14:dur="2000">
         <p159:morph option="byObject"/>
       </p:transition>
     </mc:Choice>
-    <mc:Fallback>
+    <mc:Fallback xmlns="">
       <p:transition spd="slow">
         <p:fade/>
       </p:transition>
@@ -1490,13 +1492,13 @@
   <p:clrMapOvr>
     <a:masterClrMapping/>
   </p:clrMapOvr>
-  <mc:AlternateContent xmlns:mc="http://schemas.openxmlformats.org/markup-compatibility/2006">
-    <mc:Choice xmlns:p159="http://schemas.microsoft.com/office/powerpoint/2015/09/main" Requires="p159">
+  <mc:AlternateContent xmlns:mc="http://schemas.openxmlformats.org/markup-compatibility/2006" xmlns:p159="http://schemas.microsoft.com/office/powerpoint/2015/09/main">
+    <mc:Choice Requires="p159">
       <p:transition xmlns:p14="http://schemas.microsoft.com/office/powerpoint/2010/main" spd="slow" p14:dur="2000">
         <p159:morph option="byObject"/>
       </p:transition>
     </mc:Choice>
-    <mc:Fallback>
+    <mc:Fallback xmlns="">
       <p:transition spd="slow">
         <p:fade/>
       </p:transition>
@@ -1918,13 +1920,13 @@
   <p:clrMapOvr>
     <a:masterClrMapping/>
   </p:clrMapOvr>
-  <mc:AlternateContent xmlns:mc="http://schemas.openxmlformats.org/markup-compatibility/2006">
-    <mc:Choice xmlns:p159="http://schemas.microsoft.com/office/powerpoint/2015/09/main" Requires="p159">
+  <mc:AlternateContent xmlns:mc="http://schemas.openxmlformats.org/markup-compatibility/2006" xmlns:p159="http://schemas.microsoft.com/office/powerpoint/2015/09/main">
+    <mc:Choice Requires="p159">
       <p:transition xmlns:p14="http://schemas.microsoft.com/office/powerpoint/2010/main" spd="slow" p14:dur="2000">
         <p159:morph option="byObject"/>
       </p:transition>
     </mc:Choice>
-    <mc:Fallback>
+    <mc:Fallback xmlns="">
       <p:transition spd="slow">
         <p:fade/>
       </p:transition>
@@ -2044,13 +2046,13 @@
   <p:clrMapOvr>
     <a:masterClrMapping/>
   </p:clrMapOvr>
-  <mc:AlternateContent xmlns:mc="http://schemas.openxmlformats.org/markup-compatibility/2006">
-    <mc:Choice xmlns:p159="http://schemas.microsoft.com/office/powerpoint/2015/09/main" Requires="p159">
+  <mc:AlternateContent xmlns:mc="http://schemas.openxmlformats.org/markup-compatibility/2006" xmlns:p159="http://schemas.microsoft.com/office/powerpoint/2015/09/main">
+    <mc:Choice Requires="p159">
       <p:transition xmlns:p14="http://schemas.microsoft.com/office/powerpoint/2010/main" spd="slow" p14:dur="2000">
         <p159:morph option="byObject"/>
       </p:transition>
     </mc:Choice>
-    <mc:Fallback>
+    <mc:Fallback xmlns="">
       <p:transition spd="slow">
         <p:fade/>
       </p:transition>
@@ -2148,13 +2150,13 @@
   <p:clrMapOvr>
     <a:masterClrMapping/>
   </p:clrMapOvr>
-  <mc:AlternateContent xmlns:mc="http://schemas.openxmlformats.org/markup-compatibility/2006">
-    <mc:Choice xmlns:p159="http://schemas.microsoft.com/office/powerpoint/2015/09/main" Requires="p159">
+  <mc:AlternateContent xmlns:mc="http://schemas.openxmlformats.org/markup-compatibility/2006" xmlns:p159="http://schemas.microsoft.com/office/powerpoint/2015/09/main">
+    <mc:Choice Requires="p159">
       <p:transition xmlns:p14="http://schemas.microsoft.com/office/powerpoint/2010/main" spd="slow" p14:dur="2000">
         <p159:morph option="byObject"/>
       </p:transition>
     </mc:Choice>
-    <mc:Fallback>
+    <mc:Fallback xmlns="">
       <p:transition spd="slow">
         <p:fade/>
       </p:transition>
@@ -2432,13 +2434,13 @@
   <p:clrMapOvr>
     <a:masterClrMapping/>
   </p:clrMapOvr>
-  <mc:AlternateContent xmlns:mc="http://schemas.openxmlformats.org/markup-compatibility/2006">
-    <mc:Choice xmlns:p159="http://schemas.microsoft.com/office/powerpoint/2015/09/main" Requires="p159">
+  <mc:AlternateContent xmlns:mc="http://schemas.openxmlformats.org/markup-compatibility/2006" xmlns:p159="http://schemas.microsoft.com/office/powerpoint/2015/09/main">
+    <mc:Choice Requires="p159">
       <p:transition xmlns:p14="http://schemas.microsoft.com/office/powerpoint/2010/main" spd="slow" p14:dur="2000">
         <p159:morph option="byObject"/>
       </p:transition>
     </mc:Choice>
-    <mc:Fallback>
+    <mc:Fallback xmlns="">
       <p:transition spd="slow">
         <p:fade/>
       </p:transition>
@@ -2693,13 +2695,13 @@
   <p:clrMapOvr>
     <a:masterClrMapping/>
   </p:clrMapOvr>
-  <mc:AlternateContent xmlns:mc="http://schemas.openxmlformats.org/markup-compatibility/2006">
-    <mc:Choice xmlns:p159="http://schemas.microsoft.com/office/powerpoint/2015/09/main" Requires="p159">
+  <mc:AlternateContent xmlns:mc="http://schemas.openxmlformats.org/markup-compatibility/2006" xmlns:p159="http://schemas.microsoft.com/office/powerpoint/2015/09/main">
+    <mc:Choice Requires="p159">
       <p:transition xmlns:p14="http://schemas.microsoft.com/office/powerpoint/2010/main" spd="slow" p14:dur="2000">
         <p159:morph option="byObject"/>
       </p:transition>
     </mc:Choice>
-    <mc:Fallback>
+    <mc:Fallback xmlns="">
       <p:transition spd="slow">
         <p:fade/>
       </p:transition>
@@ -2960,13 +2962,13 @@
     <p:sldLayoutId id="2147483658" r:id="rId10"/>
     <p:sldLayoutId id="2147483659" r:id="rId11"/>
   </p:sldLayoutIdLst>
-  <mc:AlternateContent xmlns:mc="http://schemas.openxmlformats.org/markup-compatibility/2006">
-    <mc:Choice xmlns:p159="http://schemas.microsoft.com/office/powerpoint/2015/09/main" Requires="p159">
+  <mc:AlternateContent xmlns:mc="http://schemas.openxmlformats.org/markup-compatibility/2006" xmlns:p159="http://schemas.microsoft.com/office/powerpoint/2015/09/main">
+    <mc:Choice Requires="p159">
       <p:transition xmlns:p14="http://schemas.microsoft.com/office/powerpoint/2010/main" spd="slow" p14:dur="2000">
         <p159:morph option="byObject"/>
       </p:transition>
     </mc:Choice>
-    <mc:Fallback>
+    <mc:Fallback xmlns="">
       <p:transition spd="slow">
         <p:fade/>
       </p:transition>
@@ -3560,13 +3562,13 @@
   <p:clrMapOvr>
     <a:masterClrMapping/>
   </p:clrMapOvr>
-  <mc:AlternateContent xmlns:mc="http://schemas.openxmlformats.org/markup-compatibility/2006">
-    <mc:Choice xmlns:p159="http://schemas.microsoft.com/office/powerpoint/2015/09/main" Requires="p159">
+  <mc:AlternateContent xmlns:mc="http://schemas.openxmlformats.org/markup-compatibility/2006" xmlns:p159="http://schemas.microsoft.com/office/powerpoint/2015/09/main">
+    <mc:Choice Requires="p159">
       <p:transition xmlns:p14="http://schemas.microsoft.com/office/powerpoint/2010/main" spd="slow" p14:dur="2000">
         <p159:morph option="byObject"/>
       </p:transition>
     </mc:Choice>
-    <mc:Fallback>
+    <mc:Fallback xmlns="">
       <p:transition spd="slow">
         <p:fade/>
       </p:transition>
@@ -3938,7 +3940,27 @@
             </a:cxnLst>
             <a:rect l="l" t="t" r="r" b="b"/>
             <a:pathLst>
-              <a:path w="11229474" h="2183732" extrusionOk="0">
+              <a:path w="11229474" h="2183732" fill="none" extrusionOk="0">
+                <a:moveTo>
+                  <a:pt x="0" y="2183732"/>
+                </a:moveTo>
+                <a:cubicBezTo>
+                  <a:pt x="1036918" y="1323876"/>
+                  <a:pt x="2283042" y="570717"/>
+                  <a:pt x="3240506" y="459732"/>
+                </a:cubicBezTo>
+                <a:cubicBezTo>
+                  <a:pt x="4511299" y="426148"/>
+                  <a:pt x="5144827" y="1793144"/>
+                  <a:pt x="6416842" y="1838931"/>
+                </a:cubicBezTo>
+                <a:cubicBezTo>
+                  <a:pt x="7370159" y="1704397"/>
+                  <a:pt x="9408358" y="956989"/>
+                  <a:pt x="11229474" y="0"/>
+                </a:cubicBezTo>
+              </a:path>
+              <a:path w="11229474" h="2183732" stroke="0" extrusionOk="0">
                 <a:moveTo>
                   <a:pt x="0" y="2183732"/>
                 </a:moveTo>
@@ -5544,13 +5566,13 @@
   <p:clrMapOvr>
     <a:masterClrMapping/>
   </p:clrMapOvr>
-  <mc:AlternateContent xmlns:mc="http://schemas.openxmlformats.org/markup-compatibility/2006">
-    <mc:Choice xmlns:p159="http://schemas.microsoft.com/office/powerpoint/2015/09/main" Requires="p159">
+  <mc:AlternateContent xmlns:mc="http://schemas.openxmlformats.org/markup-compatibility/2006" xmlns:p159="http://schemas.microsoft.com/office/powerpoint/2015/09/main">
+    <mc:Choice Requires="p159">
       <p:transition xmlns:p14="http://schemas.microsoft.com/office/powerpoint/2010/main" spd="slow" p14:dur="2000">
         <p159:morph option="byObject"/>
       </p:transition>
     </mc:Choice>
-    <mc:Fallback>
+    <mc:Fallback xmlns="">
       <p:transition spd="slow">
         <p:fade/>
       </p:transition>
@@ -5755,13 +5777,13 @@
   <p:clrMapOvr>
     <a:masterClrMapping/>
   </p:clrMapOvr>
-  <mc:AlternateContent xmlns:mc="http://schemas.openxmlformats.org/markup-compatibility/2006">
-    <mc:Choice xmlns:p159="http://schemas.microsoft.com/office/powerpoint/2015/09/main" Requires="p159">
+  <mc:AlternateContent xmlns:mc="http://schemas.openxmlformats.org/markup-compatibility/2006" xmlns:p159="http://schemas.microsoft.com/office/powerpoint/2015/09/main">
+    <mc:Choice Requires="p159">
       <p:transition xmlns:p14="http://schemas.microsoft.com/office/powerpoint/2010/main" spd="slow" p14:dur="2000">
         <p159:morph option="byObject"/>
       </p:transition>
     </mc:Choice>
-    <mc:Fallback>
+    <mc:Fallback xmlns="">
       <p:transition spd="slow">
         <p:fade/>
       </p:transition>
@@ -6070,13 +6092,13 @@
   <p:clrMapOvr>
     <a:masterClrMapping/>
   </p:clrMapOvr>
-  <mc:AlternateContent xmlns:mc="http://schemas.openxmlformats.org/markup-compatibility/2006">
-    <mc:Choice xmlns:p159="http://schemas.microsoft.com/office/powerpoint/2015/09/main" Requires="p159">
+  <mc:AlternateContent xmlns:mc="http://schemas.openxmlformats.org/markup-compatibility/2006" xmlns:p159="http://schemas.microsoft.com/office/powerpoint/2015/09/main">
+    <mc:Choice Requires="p159">
       <p:transition xmlns:p14="http://schemas.microsoft.com/office/powerpoint/2010/main" spd="slow" p14:dur="2000">
         <p159:morph option="byObject"/>
       </p:transition>
     </mc:Choice>
-    <mc:Fallback>
+    <mc:Fallback xmlns="">
       <p:transition spd="slow">
         <p:fade/>
       </p:transition>
@@ -6569,13 +6591,13 @@
   <p:clrMapOvr>
     <a:masterClrMapping/>
   </p:clrMapOvr>
-  <mc:AlternateContent xmlns:mc="http://schemas.openxmlformats.org/markup-compatibility/2006">
-    <mc:Choice xmlns:p159="http://schemas.microsoft.com/office/powerpoint/2015/09/main" Requires="p159">
+  <mc:AlternateContent xmlns:mc="http://schemas.openxmlformats.org/markup-compatibility/2006" xmlns:p159="http://schemas.microsoft.com/office/powerpoint/2015/09/main">
+    <mc:Choice Requires="p159">
       <p:transition xmlns:p14="http://schemas.microsoft.com/office/powerpoint/2010/main" spd="slow" p14:dur="2000">
         <p159:morph option="byObject"/>
       </p:transition>
     </mc:Choice>
-    <mc:Fallback>
+    <mc:Fallback xmlns="">
       <p:transition spd="slow">
         <p:fade/>
       </p:transition>
@@ -6925,13 +6947,13 @@
   <p:clrMapOvr>
     <a:masterClrMapping/>
   </p:clrMapOvr>
-  <mc:AlternateContent xmlns:mc="http://schemas.openxmlformats.org/markup-compatibility/2006">
-    <mc:Choice xmlns:p159="http://schemas.microsoft.com/office/powerpoint/2015/09/main" Requires="p159">
+  <mc:AlternateContent xmlns:mc="http://schemas.openxmlformats.org/markup-compatibility/2006" xmlns:p159="http://schemas.microsoft.com/office/powerpoint/2015/09/main">
+    <mc:Choice Requires="p159">
       <p:transition xmlns:p14="http://schemas.microsoft.com/office/powerpoint/2010/main" spd="slow" p14:dur="2000">
         <p159:morph option="byObject"/>
       </p:transition>
     </mc:Choice>
-    <mc:Fallback>
+    <mc:Fallback xmlns="">
       <p:transition spd="slow">
         <p:fade/>
       </p:transition>
@@ -7256,13 +7278,13 @@
   <p:clrMapOvr>
     <a:masterClrMapping/>
   </p:clrMapOvr>
-  <mc:AlternateContent xmlns:mc="http://schemas.openxmlformats.org/markup-compatibility/2006">
-    <mc:Choice xmlns:p159="http://schemas.microsoft.com/office/powerpoint/2015/09/main" Requires="p159">
+  <mc:AlternateContent xmlns:mc="http://schemas.openxmlformats.org/markup-compatibility/2006" xmlns:p159="http://schemas.microsoft.com/office/powerpoint/2015/09/main">
+    <mc:Choice Requires="p159">
       <p:transition xmlns:p14="http://schemas.microsoft.com/office/powerpoint/2010/main" spd="slow" p14:dur="2000">
         <p159:morph option="byObject"/>
       </p:transition>
     </mc:Choice>
-    <mc:Fallback>
+    <mc:Fallback xmlns="">
       <p:transition spd="slow">
         <p:fade/>
       </p:transition>
@@ -7596,13 +7618,13 @@
   <p:clrMapOvr>
     <a:masterClrMapping/>
   </p:clrMapOvr>
-  <mc:AlternateContent xmlns:mc="http://schemas.openxmlformats.org/markup-compatibility/2006">
-    <mc:Choice xmlns:p159="http://schemas.microsoft.com/office/powerpoint/2015/09/main" Requires="p159">
+  <mc:AlternateContent xmlns:mc="http://schemas.openxmlformats.org/markup-compatibility/2006" xmlns:p159="http://schemas.microsoft.com/office/powerpoint/2015/09/main">
+    <mc:Choice Requires="p159">
       <p:transition xmlns:p14="http://schemas.microsoft.com/office/powerpoint/2010/main" spd="slow" p14:dur="2000">
         <p159:morph option="byObject"/>
       </p:transition>
     </mc:Choice>
-    <mc:Fallback>
+    <mc:Fallback xmlns="">
       <p:transition spd="slow">
         <p:fade/>
       </p:transition>
@@ -7943,13 +7965,13 @@
   <p:clrMapOvr>
     <a:masterClrMapping/>
   </p:clrMapOvr>
-  <mc:AlternateContent xmlns:mc="http://schemas.openxmlformats.org/markup-compatibility/2006">
-    <mc:Choice xmlns:p159="http://schemas.microsoft.com/office/powerpoint/2015/09/main" Requires="p159">
+  <mc:AlternateContent xmlns:mc="http://schemas.openxmlformats.org/markup-compatibility/2006" xmlns:p159="http://schemas.microsoft.com/office/powerpoint/2015/09/main">
+    <mc:Choice Requires="p159">
       <p:transition xmlns:p14="http://schemas.microsoft.com/office/powerpoint/2010/main" spd="slow" p14:dur="2000">
         <p159:morph option="byObject"/>
       </p:transition>
     </mc:Choice>
-    <mc:Fallback>
+    <mc:Fallback xmlns="">
       <p:transition spd="slow">
         <p:fade/>
       </p:transition>
@@ -8268,13 +8290,13 @@
   <p:clrMapOvr>
     <a:masterClrMapping/>
   </p:clrMapOvr>
-  <mc:AlternateContent xmlns:mc="http://schemas.openxmlformats.org/markup-compatibility/2006">
-    <mc:Choice xmlns:p159="http://schemas.microsoft.com/office/powerpoint/2015/09/main" Requires="p159">
+  <mc:AlternateContent xmlns:mc="http://schemas.openxmlformats.org/markup-compatibility/2006" xmlns:p159="http://schemas.microsoft.com/office/powerpoint/2015/09/main">
+    <mc:Choice Requires="p159">
       <p:transition xmlns:p14="http://schemas.microsoft.com/office/powerpoint/2010/main" spd="slow" p14:dur="2000">
         <p159:morph option="byObject"/>
       </p:transition>
     </mc:Choice>
-    <mc:Fallback>
+    <mc:Fallback xmlns="">
       <p:transition spd="slow">
         <p:fade/>
       </p:transition>
@@ -8310,20 +8332,132 @@
       </p:grpSpPr>
       <p:pic>
         <p:nvPicPr>
-          <p:cNvPr id="2" name="Picture 2"/>
+          <p:cNvPr id="5" name="Picture 5"/>
           <p:cNvPicPr>
             <a:picLocks noChangeAspect="1"/>
           </p:cNvPicPr>
           <p:nvPr/>
         </p:nvPicPr>
         <p:blipFill>
-          <a:blip r:embed="rId2">
+          <a:blip r:embed="rId2"/>
+          <a:srcRect/>
+          <a:stretch>
+            <a:fillRect/>
+          </a:stretch>
+        </p:blipFill>
+        <p:spPr>
+          <a:xfrm>
+            <a:off x="1066800" y="495300"/>
+            <a:ext cx="2779788" cy="2779788"/>
+          </a:xfrm>
+          <a:prstGeom prst="rect">
+            <a:avLst/>
+          </a:prstGeom>
+        </p:spPr>
+      </p:pic>
+      <p:sp>
+        <p:nvSpPr>
+          <p:cNvPr id="9" name="TextBox 8">
+            <a:extLst>
+              <a:ext uri="{FF2B5EF4-FFF2-40B4-BE49-F238E27FC236}">
+                <a16:creationId xmlns:a16="http://schemas.microsoft.com/office/drawing/2014/main" id="{B964D1C9-16C5-3E26-5E6E-37AFCC75EAE0}"/>
+              </a:ext>
+            </a:extLst>
+          </p:cNvPr>
+          <p:cNvSpPr txBox="1"/>
+          <p:nvPr/>
+        </p:nvSpPr>
+        <p:spPr>
+          <a:xfrm>
+            <a:off x="914400" y="3619500"/>
+            <a:ext cx="7341770" cy="4708981"/>
+          </a:xfrm>
+          <a:prstGeom prst="rect">
+            <a:avLst/>
+          </a:prstGeom>
+          <a:noFill/>
+        </p:spPr>
+        <p:txBody>
+          <a:bodyPr wrap="square" rtlCol="0">
+            <a:spAutoFit/>
+          </a:bodyPr>
+          <a:lstStyle/>
+          <a:p>
+            <a:r>
+              <a:rPr lang="en-US" sz="5000" dirty="0">
+                <a:latin typeface="Sifonn" panose="020B0604020202020204" charset="0"/>
+              </a:rPr>
+              <a:t>We are using an Ai training tool called “Teachable Machines” to classify which piece of trash is plastic or paper. </a:t>
+            </a:r>
+          </a:p>
+        </p:txBody>
+      </p:sp>
+      <p:cxnSp>
+        <p:nvCxnSpPr>
+          <p:cNvPr id="11" name="Connector: Curved 10">
+            <a:extLst>
+              <a:ext uri="{FF2B5EF4-FFF2-40B4-BE49-F238E27FC236}">
+                <a16:creationId xmlns:a16="http://schemas.microsoft.com/office/drawing/2014/main" id="{3F162B3C-E7F9-BF3D-1A06-8FA1671CFFB9}"/>
+              </a:ext>
+            </a:extLst>
+          </p:cNvPr>
+          <p:cNvCxnSpPr>
+            <a:cxnSpLocks/>
+            <a:stCxn id="9" idx="3"/>
+          </p:cNvCxnSpPr>
+          <p:nvPr/>
+        </p:nvCxnSpPr>
+        <p:spPr>
+          <a:xfrm>
+            <a:off x="8256170" y="5973991"/>
+            <a:ext cx="2716630" cy="2354490"/>
+          </a:xfrm>
+          <a:prstGeom prst="curvedConnector3">
+            <a:avLst>
+              <a:gd name="adj1" fmla="val 50000"/>
+            </a:avLst>
+          </a:prstGeom>
+          <a:ln w="76200">
+            <a:solidFill>
+              <a:schemeClr val="tx1"/>
+            </a:solidFill>
+            <a:tailEnd type="triangle"/>
+          </a:ln>
+        </p:spPr>
+        <p:style>
+          <a:lnRef idx="1">
+            <a:schemeClr val="accent1"/>
+          </a:lnRef>
+          <a:fillRef idx="0">
+            <a:schemeClr val="accent1"/>
+          </a:fillRef>
+          <a:effectRef idx="0">
+            <a:schemeClr val="accent1"/>
+          </a:effectRef>
+          <a:fontRef idx="minor">
+            <a:schemeClr val="tx1"/>
+          </a:fontRef>
+        </p:style>
+      </p:cxnSp>
+      <p:pic>
+        <p:nvPicPr>
+          <p:cNvPr id="15" name="Picture 2" descr="Không có mô tả.">
+            <a:extLst>
+              <a:ext uri="{FF2B5EF4-FFF2-40B4-BE49-F238E27FC236}">
+                <a16:creationId xmlns:a16="http://schemas.microsoft.com/office/drawing/2014/main" id="{D3596FD9-DB02-31B8-4B98-D80880A5960E}"/>
+              </a:ext>
+            </a:extLst>
+          </p:cNvPr>
+          <p:cNvPicPr>
+            <a:picLocks noChangeAspect="1" noChangeArrowheads="1"/>
+          </p:cNvPicPr>
+          <p:nvPr/>
+        </p:nvPicPr>
+        <p:blipFill>
+          <a:blip r:embed="rId3">
             <a:extLst>
               <a:ext uri="{28A0092B-C50C-407E-A947-70E740481C1C}">
                 <a14:useLocalDpi xmlns:a14="http://schemas.microsoft.com/office/drawing/2010/main" val="0"/>
-              </a:ext>
-              <a:ext uri="{96DAC541-7B7A-43D3-8B79-37D633B846F1}">
-                <asvg:svgBlip xmlns:asvg="http://schemas.microsoft.com/office/drawing/2016/SVG/main" r:embed="rId3"/>
               </a:ext>
             </a:extLst>
           </a:blip>
@@ -8332,393 +8466,32 @@
             <a:fillRect/>
           </a:stretch>
         </p:blipFill>
-        <p:spPr>
-          <a:xfrm rot="-5400000">
-            <a:off x="-770231" y="7984411"/>
-            <a:ext cx="3080925" cy="1540462"/>
-          </a:xfrm>
-          <a:prstGeom prst="rect">
-            <a:avLst/>
-          </a:prstGeom>
+        <p:spPr bwMode="auto">
+          <a:xfrm>
+            <a:off x="11772900" y="541985"/>
+            <a:ext cx="5753100" cy="8487716"/>
+          </a:xfrm>
+          <a:prstGeom prst="rect">
+            <a:avLst/>
+          </a:prstGeom>
+          <a:noFill/>
+          <a:extLst>
+            <a:ext uri="{909E8E84-426E-40DD-AFC4-6F175D3DCCD1}">
+              <a14:hiddenFill xmlns:a14="http://schemas.microsoft.com/office/drawing/2010/main">
+                <a:solidFill>
+                  <a:srgbClr val="FFFFFF"/>
+                </a:solidFill>
+              </a14:hiddenFill>
+            </a:ext>
+          </a:extLst>
         </p:spPr>
       </p:pic>
-      <p:pic>
-        <p:nvPicPr>
-          <p:cNvPr id="3" name="Picture 3"/>
-          <p:cNvPicPr>
-            <a:picLocks noChangeAspect="1"/>
-          </p:cNvPicPr>
-          <p:nvPr/>
-        </p:nvPicPr>
-        <p:blipFill>
-          <a:blip r:embed="rId4">
-            <a:extLst>
-              <a:ext uri="{28A0092B-C50C-407E-A947-70E740481C1C}">
-                <a14:useLocalDpi xmlns:a14="http://schemas.microsoft.com/office/drawing/2010/main" val="0"/>
-              </a:ext>
-              <a:ext uri="{96DAC541-7B7A-43D3-8B79-37D633B846F1}">
-                <asvg:svgBlip xmlns:asvg="http://schemas.microsoft.com/office/drawing/2016/SVG/main" r:embed="rId5"/>
-              </a:ext>
-            </a:extLst>
-          </a:blip>
-          <a:srcRect/>
-          <a:stretch>
-            <a:fillRect/>
-          </a:stretch>
-        </p:blipFill>
-        <p:spPr>
-          <a:xfrm>
-            <a:off x="1028700" y="4774684"/>
-            <a:ext cx="2950531" cy="737633"/>
-          </a:xfrm>
-          <a:prstGeom prst="rect">
-            <a:avLst/>
-          </a:prstGeom>
-        </p:spPr>
-      </p:pic>
-      <p:sp>
-        <p:nvSpPr>
-          <p:cNvPr id="4" name="TextBox 4"/>
-          <p:cNvSpPr txBox="1"/>
-          <p:nvPr/>
-        </p:nvSpPr>
-        <p:spPr>
-          <a:xfrm>
-            <a:off x="1267991" y="914400"/>
-            <a:ext cx="4036739" cy="930689"/>
-          </a:xfrm>
-          <a:prstGeom prst="rect">
-            <a:avLst/>
-          </a:prstGeom>
-        </p:spPr>
-        <p:txBody>
-          <a:bodyPr lIns="0" tIns="0" rIns="0" bIns="0" rtlCol="0" anchor="t">
-            <a:spAutoFit/>
-          </a:bodyPr>
-          <a:lstStyle/>
-          <a:p>
-            <a:pPr algn="ctr">
-              <a:lnSpc>
-                <a:spcPts val="7502"/>
-              </a:lnSpc>
-            </a:pPr>
-            <a:r>
-              <a:rPr lang="en-US" sz="5358">
-                <a:solidFill>
-                  <a:srgbClr val="3D93A7"/>
-                </a:solidFill>
-                <a:latin typeface="Sifonn"/>
-              </a:rPr>
-              <a:t>Conclusion</a:t>
-            </a:r>
-          </a:p>
-        </p:txBody>
-      </p:sp>
-      <p:sp>
-        <p:nvSpPr>
-          <p:cNvPr id="5" name="TextBox 5"/>
-          <p:cNvSpPr txBox="1"/>
-          <p:nvPr/>
-        </p:nvSpPr>
-        <p:spPr>
-          <a:xfrm>
-            <a:off x="5154922" y="2657777"/>
-            <a:ext cx="2375591" cy="955874"/>
-          </a:xfrm>
-          <a:prstGeom prst="rect">
-            <a:avLst/>
-          </a:prstGeom>
-        </p:spPr>
-        <p:txBody>
-          <a:bodyPr lIns="0" tIns="0" rIns="0" bIns="0" rtlCol="0" anchor="t">
-            <a:spAutoFit/>
-          </a:bodyPr>
-          <a:lstStyle/>
-          <a:p>
-            <a:pPr algn="ctr">
-              <a:lnSpc>
-                <a:spcPts val="7795"/>
-              </a:lnSpc>
-            </a:pPr>
-            <a:r>
-              <a:rPr lang="en-US" sz="5567" dirty="0">
-                <a:solidFill>
-                  <a:srgbClr val="3D93A7"/>
-                </a:solidFill>
-                <a:latin typeface="Sifonn"/>
-              </a:rPr>
-              <a:t>01</a:t>
-            </a:r>
-          </a:p>
-        </p:txBody>
-      </p:sp>
-      <p:sp>
-        <p:nvSpPr>
-          <p:cNvPr id="6" name="TextBox 6"/>
-          <p:cNvSpPr txBox="1"/>
-          <p:nvPr/>
-        </p:nvSpPr>
-        <p:spPr>
-          <a:xfrm>
-            <a:off x="6342717" y="3677344"/>
-            <a:ext cx="5377386" cy="1778360"/>
-          </a:xfrm>
-          <a:prstGeom prst="rect">
-            <a:avLst/>
-          </a:prstGeom>
-        </p:spPr>
-        <p:txBody>
-          <a:bodyPr lIns="0" tIns="0" rIns="0" bIns="0" rtlCol="0" anchor="t">
-            <a:spAutoFit/>
-          </a:bodyPr>
-          <a:lstStyle/>
-          <a:p>
-            <a:pPr algn="ctr">
-              <a:lnSpc>
-                <a:spcPts val="4721"/>
-              </a:lnSpc>
-            </a:pPr>
-            <a:r>
-              <a:rPr lang="en-US" sz="3372" dirty="0">
-                <a:solidFill>
-                  <a:srgbClr val="000000"/>
-                </a:solidFill>
-                <a:latin typeface="Antic"/>
-              </a:rPr>
-              <a:t>Raise awareness of people about environmental protection </a:t>
-            </a:r>
-          </a:p>
-        </p:txBody>
-      </p:sp>
-      <p:sp>
-        <p:nvSpPr>
-          <p:cNvPr id="7" name="TextBox 7"/>
-          <p:cNvSpPr txBox="1"/>
-          <p:nvPr/>
-        </p:nvSpPr>
-        <p:spPr>
-          <a:xfrm>
-            <a:off x="15208335" y="2657777"/>
-            <a:ext cx="2375591" cy="955874"/>
-          </a:xfrm>
-          <a:prstGeom prst="rect">
-            <a:avLst/>
-          </a:prstGeom>
-        </p:spPr>
-        <p:txBody>
-          <a:bodyPr lIns="0" tIns="0" rIns="0" bIns="0" rtlCol="0" anchor="t">
-            <a:spAutoFit/>
-          </a:bodyPr>
-          <a:lstStyle/>
-          <a:p>
-            <a:pPr algn="ctr">
-              <a:lnSpc>
-                <a:spcPts val="7795"/>
-              </a:lnSpc>
-            </a:pPr>
-            <a:r>
-              <a:rPr lang="en-US" sz="5567">
-                <a:solidFill>
-                  <a:srgbClr val="3D93A7"/>
-                </a:solidFill>
-                <a:latin typeface="Sifonn"/>
-              </a:rPr>
-              <a:t>02</a:t>
-            </a:r>
-          </a:p>
-        </p:txBody>
-      </p:sp>
-      <p:sp>
-        <p:nvSpPr>
-          <p:cNvPr id="8" name="TextBox 8"/>
-          <p:cNvSpPr txBox="1"/>
-          <p:nvPr/>
-        </p:nvSpPr>
-        <p:spPr>
-          <a:xfrm>
-            <a:off x="12519642" y="3677344"/>
-            <a:ext cx="5377386" cy="586476"/>
-          </a:xfrm>
-          <a:prstGeom prst="rect">
-            <a:avLst/>
-          </a:prstGeom>
-        </p:spPr>
-        <p:txBody>
-          <a:bodyPr lIns="0" tIns="0" rIns="0" bIns="0" rtlCol="0" anchor="t">
-            <a:spAutoFit/>
-          </a:bodyPr>
-          <a:lstStyle/>
-          <a:p>
-            <a:pPr algn="ctr">
-              <a:lnSpc>
-                <a:spcPts val="4721"/>
-              </a:lnSpc>
-            </a:pPr>
-            <a:r>
-              <a:rPr lang="en-US" sz="3372" dirty="0">
-                <a:solidFill>
-                  <a:srgbClr val="000000"/>
-                </a:solidFill>
-                <a:latin typeface="Antic"/>
-              </a:rPr>
-              <a:t>User-friendly, easy to use </a:t>
-            </a:r>
-          </a:p>
-        </p:txBody>
-      </p:sp>
-      <p:sp>
-        <p:nvSpPr>
-          <p:cNvPr id="9" name="TextBox 9"/>
-          <p:cNvSpPr txBox="1"/>
-          <p:nvPr/>
-        </p:nvSpPr>
-        <p:spPr>
-          <a:xfrm>
-            <a:off x="5154922" y="5833225"/>
-            <a:ext cx="2375591" cy="955874"/>
-          </a:xfrm>
-          <a:prstGeom prst="rect">
-            <a:avLst/>
-          </a:prstGeom>
-        </p:spPr>
-        <p:txBody>
-          <a:bodyPr lIns="0" tIns="0" rIns="0" bIns="0" rtlCol="0" anchor="t">
-            <a:spAutoFit/>
-          </a:bodyPr>
-          <a:lstStyle/>
-          <a:p>
-            <a:pPr algn="ctr">
-              <a:lnSpc>
-                <a:spcPts val="7795"/>
-              </a:lnSpc>
-            </a:pPr>
-            <a:r>
-              <a:rPr lang="en-US" sz="5567">
-                <a:solidFill>
-                  <a:srgbClr val="3D93A7"/>
-                </a:solidFill>
-                <a:latin typeface="Sifonn"/>
-              </a:rPr>
-              <a:t>03</a:t>
-            </a:r>
-          </a:p>
-        </p:txBody>
-      </p:sp>
-      <p:sp>
-        <p:nvSpPr>
-          <p:cNvPr id="10" name="TextBox 10"/>
-          <p:cNvSpPr txBox="1"/>
-          <p:nvPr/>
-        </p:nvSpPr>
-        <p:spPr>
-          <a:xfrm>
-            <a:off x="6342717" y="6852793"/>
-            <a:ext cx="5377386" cy="1182418"/>
-          </a:xfrm>
-          <a:prstGeom prst="rect">
-            <a:avLst/>
-          </a:prstGeom>
-        </p:spPr>
-        <p:txBody>
-          <a:bodyPr lIns="0" tIns="0" rIns="0" bIns="0" rtlCol="0" anchor="t">
-            <a:spAutoFit/>
-          </a:bodyPr>
-          <a:lstStyle/>
-          <a:p>
-            <a:pPr algn="ctr">
-              <a:lnSpc>
-                <a:spcPts val="4721"/>
-              </a:lnSpc>
-            </a:pPr>
-            <a:r>
-              <a:rPr lang="en-US" sz="3372" dirty="0">
-                <a:solidFill>
-                  <a:srgbClr val="000000"/>
-                </a:solidFill>
-                <a:latin typeface="Antic"/>
-              </a:rPr>
-              <a:t>Help people to classify garbage</a:t>
-            </a:r>
-          </a:p>
-        </p:txBody>
-      </p:sp>
-      <p:sp>
-        <p:nvSpPr>
-          <p:cNvPr id="11" name="TextBox 11"/>
-          <p:cNvSpPr txBox="1"/>
-          <p:nvPr/>
-        </p:nvSpPr>
-        <p:spPr>
-          <a:xfrm>
-            <a:off x="15208335" y="5833225"/>
-            <a:ext cx="2375591" cy="955874"/>
-          </a:xfrm>
-          <a:prstGeom prst="rect">
-            <a:avLst/>
-          </a:prstGeom>
-        </p:spPr>
-        <p:txBody>
-          <a:bodyPr lIns="0" tIns="0" rIns="0" bIns="0" rtlCol="0" anchor="t">
-            <a:spAutoFit/>
-          </a:bodyPr>
-          <a:lstStyle/>
-          <a:p>
-            <a:pPr algn="ctr">
-              <a:lnSpc>
-                <a:spcPts val="7795"/>
-              </a:lnSpc>
-            </a:pPr>
-            <a:r>
-              <a:rPr lang="en-US" sz="5567">
-                <a:solidFill>
-                  <a:srgbClr val="3D93A7"/>
-                </a:solidFill>
-                <a:latin typeface="Sifonn"/>
-              </a:rPr>
-              <a:t>04</a:t>
-            </a:r>
-          </a:p>
-        </p:txBody>
-      </p:sp>
-      <p:sp>
-        <p:nvSpPr>
-          <p:cNvPr id="12" name="TextBox 12"/>
-          <p:cNvSpPr txBox="1"/>
-          <p:nvPr/>
-        </p:nvSpPr>
-        <p:spPr>
-          <a:xfrm>
-            <a:off x="12519642" y="6852793"/>
-            <a:ext cx="5377386" cy="561436"/>
-          </a:xfrm>
-          <a:prstGeom prst="rect">
-            <a:avLst/>
-          </a:prstGeom>
-        </p:spPr>
-        <p:txBody>
-          <a:bodyPr lIns="0" tIns="0" rIns="0" bIns="0" rtlCol="0" anchor="t">
-            <a:spAutoFit/>
-          </a:bodyPr>
-          <a:lstStyle/>
-          <a:p>
-            <a:pPr algn="ctr">
-              <a:lnSpc>
-                <a:spcPts val="4721"/>
-              </a:lnSpc>
-            </a:pPr>
-            <a:r>
-              <a:rPr lang="en-US" sz="3372" dirty="0">
-                <a:solidFill>
-                  <a:srgbClr val="000000"/>
-                </a:solidFill>
-                <a:latin typeface="Antic"/>
-              </a:rPr>
-              <a:t>Multi-functions app</a:t>
-            </a:r>
-          </a:p>
-        </p:txBody>
-      </p:sp>
     </p:spTree>
+    <p:extLst>
+      <p:ext uri="{BB962C8B-B14F-4D97-AF65-F5344CB8AC3E}">
+        <p14:creationId xmlns:p14="http://schemas.microsoft.com/office/powerpoint/2010/main" val="2013044020"/>
+      </p:ext>
+    </p:extLst>
   </p:cSld>
   <p:clrMapOvr>
     <a:masterClrMapping/>
@@ -9188,13 +8961,13 @@
   <p:clrMapOvr>
     <a:masterClrMapping/>
   </p:clrMapOvr>
-  <mc:AlternateContent xmlns:mc="http://schemas.openxmlformats.org/markup-compatibility/2006">
-    <mc:Choice xmlns:p159="http://schemas.microsoft.com/office/powerpoint/2015/09/main" Requires="p159">
+  <mc:AlternateContent xmlns:mc="http://schemas.openxmlformats.org/markup-compatibility/2006" xmlns:p159="http://schemas.microsoft.com/office/powerpoint/2015/09/main">
+    <mc:Choice Requires="p159">
       <p:transition xmlns:p14="http://schemas.microsoft.com/office/powerpoint/2010/main" spd="slow" p14:dur="2000">
         <p159:morph option="byObject"/>
       </p:transition>
     </mc:Choice>
-    <mc:Fallback>
+    <mc:Fallback xmlns="">
       <p:transition spd="slow">
         <p:fade/>
       </p:transition>
@@ -9228,6 +9001,667 @@
           <a:chExt cx="0" cy="0"/>
         </a:xfrm>
       </p:grpSpPr>
+      <p:pic>
+        <p:nvPicPr>
+          <p:cNvPr id="5" name="Picture 5"/>
+          <p:cNvPicPr>
+            <a:picLocks noChangeAspect="1"/>
+          </p:cNvPicPr>
+          <p:nvPr/>
+        </p:nvPicPr>
+        <p:blipFill>
+          <a:blip r:embed="rId2"/>
+          <a:srcRect/>
+          <a:stretch>
+            <a:fillRect/>
+          </a:stretch>
+        </p:blipFill>
+        <p:spPr>
+          <a:xfrm>
+            <a:off x="1066800" y="495300"/>
+            <a:ext cx="2779788" cy="2779788"/>
+          </a:xfrm>
+          <a:prstGeom prst="rect">
+            <a:avLst/>
+          </a:prstGeom>
+        </p:spPr>
+      </p:pic>
+      <p:sp>
+        <p:nvSpPr>
+          <p:cNvPr id="9" name="TextBox 8">
+            <a:extLst>
+              <a:ext uri="{FF2B5EF4-FFF2-40B4-BE49-F238E27FC236}">
+                <a16:creationId xmlns:a16="http://schemas.microsoft.com/office/drawing/2014/main" id="{B964D1C9-16C5-3E26-5E6E-37AFCC75EAE0}"/>
+              </a:ext>
+            </a:extLst>
+          </p:cNvPr>
+          <p:cNvSpPr txBox="1"/>
+          <p:nvPr/>
+        </p:nvSpPr>
+        <p:spPr>
+          <a:xfrm>
+            <a:off x="914400" y="3619500"/>
+            <a:ext cx="7341770" cy="4708981"/>
+          </a:xfrm>
+          <a:prstGeom prst="rect">
+            <a:avLst/>
+          </a:prstGeom>
+          <a:noFill/>
+        </p:spPr>
+        <p:txBody>
+          <a:bodyPr wrap="square" rtlCol="0">
+            <a:spAutoFit/>
+          </a:bodyPr>
+          <a:lstStyle/>
+          <a:p>
+            <a:r>
+              <a:rPr lang="en-US" sz="5000" dirty="0">
+                <a:latin typeface="Sifonn" panose="020B0604020202020204" charset="0"/>
+              </a:rPr>
+              <a:t>We are using an Ai training tool called “Teachable Machines” to classify which piece of trash is plastic or paper. </a:t>
+            </a:r>
+          </a:p>
+        </p:txBody>
+      </p:sp>
+      <p:cxnSp>
+        <p:nvCxnSpPr>
+          <p:cNvPr id="11" name="Connector: Curved 10">
+            <a:extLst>
+              <a:ext uri="{FF2B5EF4-FFF2-40B4-BE49-F238E27FC236}">
+                <a16:creationId xmlns:a16="http://schemas.microsoft.com/office/drawing/2014/main" id="{3F162B3C-E7F9-BF3D-1A06-8FA1671CFFB9}"/>
+              </a:ext>
+            </a:extLst>
+          </p:cNvPr>
+          <p:cNvCxnSpPr>
+            <a:cxnSpLocks/>
+            <a:stCxn id="9" idx="3"/>
+          </p:cNvCxnSpPr>
+          <p:nvPr/>
+        </p:nvCxnSpPr>
+        <p:spPr>
+          <a:xfrm>
+            <a:off x="8256170" y="5973991"/>
+            <a:ext cx="2716630" cy="2354490"/>
+          </a:xfrm>
+          <a:prstGeom prst="curvedConnector3">
+            <a:avLst>
+              <a:gd name="adj1" fmla="val 50000"/>
+            </a:avLst>
+          </a:prstGeom>
+          <a:ln w="76200">
+            <a:solidFill>
+              <a:schemeClr val="tx1"/>
+            </a:solidFill>
+            <a:tailEnd type="triangle"/>
+          </a:ln>
+        </p:spPr>
+        <p:style>
+          <a:lnRef idx="1">
+            <a:schemeClr val="accent1"/>
+          </a:lnRef>
+          <a:fillRef idx="0">
+            <a:schemeClr val="accent1"/>
+          </a:fillRef>
+          <a:effectRef idx="0">
+            <a:schemeClr val="accent1"/>
+          </a:effectRef>
+          <a:fontRef idx="minor">
+            <a:schemeClr val="tx1"/>
+          </a:fontRef>
+        </p:style>
+      </p:cxnSp>
+      <p:pic>
+        <p:nvPicPr>
+          <p:cNvPr id="2050" name="Picture 2" descr="Không có mô tả.">
+            <a:extLst>
+              <a:ext uri="{FF2B5EF4-FFF2-40B4-BE49-F238E27FC236}">
+                <a16:creationId xmlns:a16="http://schemas.microsoft.com/office/drawing/2014/main" id="{011F181A-DACA-7FE3-DCA4-888F88EB49C9}"/>
+              </a:ext>
+            </a:extLst>
+          </p:cNvPr>
+          <p:cNvPicPr>
+            <a:picLocks noChangeAspect="1" noChangeArrowheads="1"/>
+          </p:cNvPicPr>
+          <p:nvPr/>
+        </p:nvPicPr>
+        <p:blipFill>
+          <a:blip r:embed="rId3">
+            <a:extLst>
+              <a:ext uri="{28A0092B-C50C-407E-A947-70E740481C1C}">
+                <a14:useLocalDpi xmlns:a14="http://schemas.microsoft.com/office/drawing/2010/main" val="0"/>
+              </a:ext>
+            </a:extLst>
+          </a:blip>
+          <a:srcRect/>
+          <a:stretch>
+            <a:fillRect/>
+          </a:stretch>
+        </p:blipFill>
+        <p:spPr bwMode="auto">
+          <a:xfrm>
+            <a:off x="11772900" y="647700"/>
+            <a:ext cx="11201400" cy="10080782"/>
+          </a:xfrm>
+          <a:prstGeom prst="rect">
+            <a:avLst/>
+          </a:prstGeom>
+          <a:noFill/>
+          <a:extLst>
+            <a:ext uri="{909E8E84-426E-40DD-AFC4-6F175D3DCCD1}">
+              <a14:hiddenFill xmlns:a14="http://schemas.microsoft.com/office/drawing/2010/main">
+                <a:solidFill>
+                  <a:srgbClr val="FFFFFF"/>
+                </a:solidFill>
+              </a14:hiddenFill>
+            </a:ext>
+          </a:extLst>
+        </p:spPr>
+      </p:pic>
+    </p:spTree>
+    <p:extLst>
+      <p:ext uri="{BB962C8B-B14F-4D97-AF65-F5344CB8AC3E}">
+        <p14:creationId xmlns:p14="http://schemas.microsoft.com/office/powerpoint/2010/main" val="3757468816"/>
+      </p:ext>
+    </p:extLst>
+  </p:cSld>
+  <p:clrMapOvr>
+    <a:masterClrMapping/>
+  </p:clrMapOvr>
+  <mc:AlternateContent xmlns:mc="http://schemas.openxmlformats.org/markup-compatibility/2006">
+    <mc:Choice xmlns:p159="http://schemas.microsoft.com/office/powerpoint/2015/09/main" Requires="p159">
+      <p:transition spd="slow">
+        <p159:morph option="byObject"/>
+      </p:transition>
+    </mc:Choice>
+    <mc:Fallback>
+      <p:transition spd="slow">
+        <p:fade/>
+      </p:transition>
+    </mc:Fallback>
+  </mc:AlternateContent>
+</p:sld>
+</file>
+
+<file path=ppt/slides/slide21.xml><?xml version="1.0" encoding="utf-8"?>
+<p:sld xmlns:a="http://schemas.openxmlformats.org/drawingml/2006/main" xmlns:r="http://schemas.openxmlformats.org/officeDocument/2006/relationships" xmlns:p="http://schemas.openxmlformats.org/presentationml/2006/main">
+  <p:cSld>
+    <p:bg>
+      <p:bgPr>
+        <a:solidFill>
+          <a:srgbClr val="F1F2F2"/>
+        </a:solidFill>
+        <a:effectLst/>
+      </p:bgPr>
+    </p:bg>
+    <p:spTree>
+      <p:nvGrpSpPr>
+        <p:cNvPr id="1" name=""/>
+        <p:cNvGrpSpPr/>
+        <p:nvPr/>
+      </p:nvGrpSpPr>
+      <p:grpSpPr>
+        <a:xfrm>
+          <a:off x="0" y="0"/>
+          <a:ext cx="0" cy="0"/>
+          <a:chOff x="0" y="0"/>
+          <a:chExt cx="0" cy="0"/>
+        </a:xfrm>
+      </p:grpSpPr>
+      <p:pic>
+        <p:nvPicPr>
+          <p:cNvPr id="2" name="Picture 2"/>
+          <p:cNvPicPr>
+            <a:picLocks noChangeAspect="1"/>
+          </p:cNvPicPr>
+          <p:nvPr/>
+        </p:nvPicPr>
+        <p:blipFill>
+          <a:blip r:embed="rId2">
+            <a:extLst>
+              <a:ext uri="{28A0092B-C50C-407E-A947-70E740481C1C}">
+                <a14:useLocalDpi xmlns:a14="http://schemas.microsoft.com/office/drawing/2010/main" val="0"/>
+              </a:ext>
+              <a:ext uri="{96DAC541-7B7A-43D3-8B79-37D633B846F1}">
+                <asvg:svgBlip xmlns:asvg="http://schemas.microsoft.com/office/drawing/2016/SVG/main" r:embed="rId3"/>
+              </a:ext>
+            </a:extLst>
+          </a:blip>
+          <a:srcRect/>
+          <a:stretch>
+            <a:fillRect/>
+          </a:stretch>
+        </p:blipFill>
+        <p:spPr>
+          <a:xfrm rot="-5400000">
+            <a:off x="-770231" y="7984411"/>
+            <a:ext cx="3080925" cy="1540462"/>
+          </a:xfrm>
+          <a:prstGeom prst="rect">
+            <a:avLst/>
+          </a:prstGeom>
+        </p:spPr>
+      </p:pic>
+      <p:pic>
+        <p:nvPicPr>
+          <p:cNvPr id="3" name="Picture 3"/>
+          <p:cNvPicPr>
+            <a:picLocks noChangeAspect="1"/>
+          </p:cNvPicPr>
+          <p:nvPr/>
+        </p:nvPicPr>
+        <p:blipFill>
+          <a:blip r:embed="rId4">
+            <a:extLst>
+              <a:ext uri="{28A0092B-C50C-407E-A947-70E740481C1C}">
+                <a14:useLocalDpi xmlns:a14="http://schemas.microsoft.com/office/drawing/2010/main" val="0"/>
+              </a:ext>
+              <a:ext uri="{96DAC541-7B7A-43D3-8B79-37D633B846F1}">
+                <asvg:svgBlip xmlns:asvg="http://schemas.microsoft.com/office/drawing/2016/SVG/main" r:embed="rId5"/>
+              </a:ext>
+            </a:extLst>
+          </a:blip>
+          <a:srcRect/>
+          <a:stretch>
+            <a:fillRect/>
+          </a:stretch>
+        </p:blipFill>
+        <p:spPr>
+          <a:xfrm>
+            <a:off x="1028700" y="4774684"/>
+            <a:ext cx="2950531" cy="737633"/>
+          </a:xfrm>
+          <a:prstGeom prst="rect">
+            <a:avLst/>
+          </a:prstGeom>
+        </p:spPr>
+      </p:pic>
+      <p:sp>
+        <p:nvSpPr>
+          <p:cNvPr id="4" name="TextBox 4"/>
+          <p:cNvSpPr txBox="1"/>
+          <p:nvPr/>
+        </p:nvSpPr>
+        <p:spPr>
+          <a:xfrm>
+            <a:off x="1267991" y="914400"/>
+            <a:ext cx="4036739" cy="930689"/>
+          </a:xfrm>
+          <a:prstGeom prst="rect">
+            <a:avLst/>
+          </a:prstGeom>
+        </p:spPr>
+        <p:txBody>
+          <a:bodyPr lIns="0" tIns="0" rIns="0" bIns="0" rtlCol="0" anchor="t">
+            <a:spAutoFit/>
+          </a:bodyPr>
+          <a:lstStyle/>
+          <a:p>
+            <a:pPr algn="ctr">
+              <a:lnSpc>
+                <a:spcPts val="7502"/>
+              </a:lnSpc>
+            </a:pPr>
+            <a:r>
+              <a:rPr lang="en-US" sz="5358">
+                <a:solidFill>
+                  <a:srgbClr val="3D93A7"/>
+                </a:solidFill>
+                <a:latin typeface="Sifonn"/>
+              </a:rPr>
+              <a:t>Conclusion</a:t>
+            </a:r>
+          </a:p>
+        </p:txBody>
+      </p:sp>
+      <p:sp>
+        <p:nvSpPr>
+          <p:cNvPr id="5" name="TextBox 5"/>
+          <p:cNvSpPr txBox="1"/>
+          <p:nvPr/>
+        </p:nvSpPr>
+        <p:spPr>
+          <a:xfrm>
+            <a:off x="5154922" y="2657777"/>
+            <a:ext cx="2375591" cy="955874"/>
+          </a:xfrm>
+          <a:prstGeom prst="rect">
+            <a:avLst/>
+          </a:prstGeom>
+        </p:spPr>
+        <p:txBody>
+          <a:bodyPr lIns="0" tIns="0" rIns="0" bIns="0" rtlCol="0" anchor="t">
+            <a:spAutoFit/>
+          </a:bodyPr>
+          <a:lstStyle/>
+          <a:p>
+            <a:pPr algn="ctr">
+              <a:lnSpc>
+                <a:spcPts val="7795"/>
+              </a:lnSpc>
+            </a:pPr>
+            <a:r>
+              <a:rPr lang="en-US" sz="5567" dirty="0">
+                <a:solidFill>
+                  <a:srgbClr val="3D93A7"/>
+                </a:solidFill>
+                <a:latin typeface="Sifonn"/>
+              </a:rPr>
+              <a:t>01</a:t>
+            </a:r>
+          </a:p>
+        </p:txBody>
+      </p:sp>
+      <p:sp>
+        <p:nvSpPr>
+          <p:cNvPr id="6" name="TextBox 6"/>
+          <p:cNvSpPr txBox="1"/>
+          <p:nvPr/>
+        </p:nvSpPr>
+        <p:spPr>
+          <a:xfrm>
+            <a:off x="6342717" y="3677344"/>
+            <a:ext cx="5377386" cy="1778360"/>
+          </a:xfrm>
+          <a:prstGeom prst="rect">
+            <a:avLst/>
+          </a:prstGeom>
+        </p:spPr>
+        <p:txBody>
+          <a:bodyPr lIns="0" tIns="0" rIns="0" bIns="0" rtlCol="0" anchor="t">
+            <a:spAutoFit/>
+          </a:bodyPr>
+          <a:lstStyle/>
+          <a:p>
+            <a:pPr algn="ctr">
+              <a:lnSpc>
+                <a:spcPts val="4721"/>
+              </a:lnSpc>
+            </a:pPr>
+            <a:r>
+              <a:rPr lang="en-US" sz="3372" dirty="0">
+                <a:solidFill>
+                  <a:srgbClr val="000000"/>
+                </a:solidFill>
+                <a:latin typeface="Antic"/>
+              </a:rPr>
+              <a:t>Raise awareness of people about environmental protection </a:t>
+            </a:r>
+          </a:p>
+        </p:txBody>
+      </p:sp>
+      <p:sp>
+        <p:nvSpPr>
+          <p:cNvPr id="7" name="TextBox 7"/>
+          <p:cNvSpPr txBox="1"/>
+          <p:nvPr/>
+        </p:nvSpPr>
+        <p:spPr>
+          <a:xfrm>
+            <a:off x="15208335" y="2657777"/>
+            <a:ext cx="2375591" cy="955874"/>
+          </a:xfrm>
+          <a:prstGeom prst="rect">
+            <a:avLst/>
+          </a:prstGeom>
+        </p:spPr>
+        <p:txBody>
+          <a:bodyPr lIns="0" tIns="0" rIns="0" bIns="0" rtlCol="0" anchor="t">
+            <a:spAutoFit/>
+          </a:bodyPr>
+          <a:lstStyle/>
+          <a:p>
+            <a:pPr algn="ctr">
+              <a:lnSpc>
+                <a:spcPts val="7795"/>
+              </a:lnSpc>
+            </a:pPr>
+            <a:r>
+              <a:rPr lang="en-US" sz="5567">
+                <a:solidFill>
+                  <a:srgbClr val="3D93A7"/>
+                </a:solidFill>
+                <a:latin typeface="Sifonn"/>
+              </a:rPr>
+              <a:t>02</a:t>
+            </a:r>
+          </a:p>
+        </p:txBody>
+      </p:sp>
+      <p:sp>
+        <p:nvSpPr>
+          <p:cNvPr id="8" name="TextBox 8"/>
+          <p:cNvSpPr txBox="1"/>
+          <p:nvPr/>
+        </p:nvSpPr>
+        <p:spPr>
+          <a:xfrm>
+            <a:off x="12519642" y="3677344"/>
+            <a:ext cx="5377386" cy="586476"/>
+          </a:xfrm>
+          <a:prstGeom prst="rect">
+            <a:avLst/>
+          </a:prstGeom>
+        </p:spPr>
+        <p:txBody>
+          <a:bodyPr lIns="0" tIns="0" rIns="0" bIns="0" rtlCol="0" anchor="t">
+            <a:spAutoFit/>
+          </a:bodyPr>
+          <a:lstStyle/>
+          <a:p>
+            <a:pPr algn="ctr">
+              <a:lnSpc>
+                <a:spcPts val="4721"/>
+              </a:lnSpc>
+            </a:pPr>
+            <a:r>
+              <a:rPr lang="en-US" sz="3372" dirty="0">
+                <a:solidFill>
+                  <a:srgbClr val="000000"/>
+                </a:solidFill>
+                <a:latin typeface="Antic"/>
+              </a:rPr>
+              <a:t>User-friendly, easy to use </a:t>
+            </a:r>
+          </a:p>
+        </p:txBody>
+      </p:sp>
+      <p:sp>
+        <p:nvSpPr>
+          <p:cNvPr id="9" name="TextBox 9"/>
+          <p:cNvSpPr txBox="1"/>
+          <p:nvPr/>
+        </p:nvSpPr>
+        <p:spPr>
+          <a:xfrm>
+            <a:off x="5154922" y="5833225"/>
+            <a:ext cx="2375591" cy="955874"/>
+          </a:xfrm>
+          <a:prstGeom prst="rect">
+            <a:avLst/>
+          </a:prstGeom>
+        </p:spPr>
+        <p:txBody>
+          <a:bodyPr lIns="0" tIns="0" rIns="0" bIns="0" rtlCol="0" anchor="t">
+            <a:spAutoFit/>
+          </a:bodyPr>
+          <a:lstStyle/>
+          <a:p>
+            <a:pPr algn="ctr">
+              <a:lnSpc>
+                <a:spcPts val="7795"/>
+              </a:lnSpc>
+            </a:pPr>
+            <a:r>
+              <a:rPr lang="en-US" sz="5567">
+                <a:solidFill>
+                  <a:srgbClr val="3D93A7"/>
+                </a:solidFill>
+                <a:latin typeface="Sifonn"/>
+              </a:rPr>
+              <a:t>03</a:t>
+            </a:r>
+          </a:p>
+        </p:txBody>
+      </p:sp>
+      <p:sp>
+        <p:nvSpPr>
+          <p:cNvPr id="10" name="TextBox 10"/>
+          <p:cNvSpPr txBox="1"/>
+          <p:nvPr/>
+        </p:nvSpPr>
+        <p:spPr>
+          <a:xfrm>
+            <a:off x="6342717" y="6852793"/>
+            <a:ext cx="5377386" cy="1182418"/>
+          </a:xfrm>
+          <a:prstGeom prst="rect">
+            <a:avLst/>
+          </a:prstGeom>
+        </p:spPr>
+        <p:txBody>
+          <a:bodyPr lIns="0" tIns="0" rIns="0" bIns="0" rtlCol="0" anchor="t">
+            <a:spAutoFit/>
+          </a:bodyPr>
+          <a:lstStyle/>
+          <a:p>
+            <a:pPr algn="ctr">
+              <a:lnSpc>
+                <a:spcPts val="4721"/>
+              </a:lnSpc>
+            </a:pPr>
+            <a:r>
+              <a:rPr lang="en-US" sz="3372" dirty="0">
+                <a:solidFill>
+                  <a:srgbClr val="000000"/>
+                </a:solidFill>
+                <a:latin typeface="Antic"/>
+              </a:rPr>
+              <a:t>Help people to classify garbage</a:t>
+            </a:r>
+          </a:p>
+        </p:txBody>
+      </p:sp>
+      <p:sp>
+        <p:nvSpPr>
+          <p:cNvPr id="11" name="TextBox 11"/>
+          <p:cNvSpPr txBox="1"/>
+          <p:nvPr/>
+        </p:nvSpPr>
+        <p:spPr>
+          <a:xfrm>
+            <a:off x="15208335" y="5833225"/>
+            <a:ext cx="2375591" cy="955874"/>
+          </a:xfrm>
+          <a:prstGeom prst="rect">
+            <a:avLst/>
+          </a:prstGeom>
+        </p:spPr>
+        <p:txBody>
+          <a:bodyPr lIns="0" tIns="0" rIns="0" bIns="0" rtlCol="0" anchor="t">
+            <a:spAutoFit/>
+          </a:bodyPr>
+          <a:lstStyle/>
+          <a:p>
+            <a:pPr algn="ctr">
+              <a:lnSpc>
+                <a:spcPts val="7795"/>
+              </a:lnSpc>
+            </a:pPr>
+            <a:r>
+              <a:rPr lang="en-US" sz="5567">
+                <a:solidFill>
+                  <a:srgbClr val="3D93A7"/>
+                </a:solidFill>
+                <a:latin typeface="Sifonn"/>
+              </a:rPr>
+              <a:t>04</a:t>
+            </a:r>
+          </a:p>
+        </p:txBody>
+      </p:sp>
+      <p:sp>
+        <p:nvSpPr>
+          <p:cNvPr id="12" name="TextBox 12"/>
+          <p:cNvSpPr txBox="1"/>
+          <p:nvPr/>
+        </p:nvSpPr>
+        <p:spPr>
+          <a:xfrm>
+            <a:off x="12519642" y="6852793"/>
+            <a:ext cx="5377386" cy="561436"/>
+          </a:xfrm>
+          <a:prstGeom prst="rect">
+            <a:avLst/>
+          </a:prstGeom>
+        </p:spPr>
+        <p:txBody>
+          <a:bodyPr lIns="0" tIns="0" rIns="0" bIns="0" rtlCol="0" anchor="t">
+            <a:spAutoFit/>
+          </a:bodyPr>
+          <a:lstStyle/>
+          <a:p>
+            <a:pPr algn="ctr">
+              <a:lnSpc>
+                <a:spcPts val="4721"/>
+              </a:lnSpc>
+            </a:pPr>
+            <a:r>
+              <a:rPr lang="en-US" sz="3372" dirty="0">
+                <a:solidFill>
+                  <a:srgbClr val="000000"/>
+                </a:solidFill>
+                <a:latin typeface="Antic"/>
+              </a:rPr>
+              <a:t>Multi-functions app</a:t>
+            </a:r>
+          </a:p>
+        </p:txBody>
+      </p:sp>
+    </p:spTree>
+  </p:cSld>
+  <p:clrMapOvr>
+    <a:masterClrMapping/>
+  </p:clrMapOvr>
+  <mc:AlternateContent xmlns:mc="http://schemas.openxmlformats.org/markup-compatibility/2006" xmlns:p159="http://schemas.microsoft.com/office/powerpoint/2015/09/main">
+    <mc:Choice Requires="p159">
+      <p:transition xmlns:p14="http://schemas.microsoft.com/office/powerpoint/2010/main" spd="slow" p14:dur="2000">
+        <p159:morph option="byObject"/>
+      </p:transition>
+    </mc:Choice>
+    <mc:Fallback xmlns="">
+      <p:transition spd="slow">
+        <p:fade/>
+      </p:transition>
+    </mc:Fallback>
+  </mc:AlternateContent>
+</p:sld>
+</file>
+
+<file path=ppt/slides/slide22.xml><?xml version="1.0" encoding="utf-8"?>
+<p:sld xmlns:a="http://schemas.openxmlformats.org/drawingml/2006/main" xmlns:r="http://schemas.openxmlformats.org/officeDocument/2006/relationships" xmlns:p="http://schemas.openxmlformats.org/presentationml/2006/main">
+  <p:cSld>
+    <p:bg>
+      <p:bgPr>
+        <a:solidFill>
+          <a:srgbClr val="F1F2F2"/>
+        </a:solidFill>
+        <a:effectLst/>
+      </p:bgPr>
+    </p:bg>
+    <p:spTree>
+      <p:nvGrpSpPr>
+        <p:cNvPr id="1" name=""/>
+        <p:cNvGrpSpPr/>
+        <p:nvPr/>
+      </p:nvGrpSpPr>
+      <p:grpSpPr>
+        <a:xfrm>
+          <a:off x="0" y="0"/>
+          <a:ext cx="0" cy="0"/>
+          <a:chOff x="0" y="0"/>
+          <a:chExt cx="0" cy="0"/>
+        </a:xfrm>
+      </p:grpSpPr>
       <p:sp>
         <p:nvSpPr>
           <p:cNvPr id="2" name="TextBox 2"/>
@@ -9317,13 +9751,13 @@
   <p:clrMapOvr>
     <a:masterClrMapping/>
   </p:clrMapOvr>
-  <mc:AlternateContent xmlns:mc="http://schemas.openxmlformats.org/markup-compatibility/2006">
-    <mc:Choice xmlns:p159="http://schemas.microsoft.com/office/powerpoint/2015/09/main" Requires="p159">
+  <mc:AlternateContent xmlns:mc="http://schemas.openxmlformats.org/markup-compatibility/2006" xmlns:p159="http://schemas.microsoft.com/office/powerpoint/2015/09/main">
+    <mc:Choice Requires="p159">
       <p:transition xmlns:p14="http://schemas.microsoft.com/office/powerpoint/2010/main" spd="slow" p14:dur="2000">
         <p159:morph option="byObject"/>
       </p:transition>
     </mc:Choice>
-    <mc:Fallback>
+    <mc:Fallback xmlns="">
       <p:transition spd="slow">
         <p:fade/>
       </p:transition>
@@ -9832,13 +10266,13 @@
   <p:clrMapOvr>
     <a:masterClrMapping/>
   </p:clrMapOvr>
-  <mc:AlternateContent xmlns:mc="http://schemas.openxmlformats.org/markup-compatibility/2006">
-    <mc:Choice xmlns:p159="http://schemas.microsoft.com/office/powerpoint/2015/09/main" Requires="p159">
+  <mc:AlternateContent xmlns:mc="http://schemas.openxmlformats.org/markup-compatibility/2006" xmlns:p159="http://schemas.microsoft.com/office/powerpoint/2015/09/main">
+    <mc:Choice Requires="p159">
       <p:transition xmlns:p14="http://schemas.microsoft.com/office/powerpoint/2010/main" spd="slow" p14:dur="2000">
         <p159:morph option="byObject"/>
       </p:transition>
     </mc:Choice>
-    <mc:Fallback>
+    <mc:Fallback xmlns="">
       <p:transition spd="slow">
         <p:fade/>
       </p:transition>
@@ -10488,13 +10922,13 @@
   <p:clrMapOvr>
     <a:masterClrMapping/>
   </p:clrMapOvr>
-  <mc:AlternateContent xmlns:mc="http://schemas.openxmlformats.org/markup-compatibility/2006">
-    <mc:Choice xmlns:p159="http://schemas.microsoft.com/office/powerpoint/2015/09/main" Requires="p159">
+  <mc:AlternateContent xmlns:mc="http://schemas.openxmlformats.org/markup-compatibility/2006" xmlns:p159="http://schemas.microsoft.com/office/powerpoint/2015/09/main">
+    <mc:Choice Requires="p159">
       <p:transition xmlns:p14="http://schemas.microsoft.com/office/powerpoint/2010/main" spd="slow" p14:dur="2000">
         <p159:morph option="byObject"/>
       </p:transition>
     </mc:Choice>
-    <mc:Fallback>
+    <mc:Fallback xmlns="">
       <p:transition spd="slow">
         <p:fade/>
       </p:transition>
@@ -11008,13 +11442,13 @@
   <p:clrMapOvr>
     <a:masterClrMapping/>
   </p:clrMapOvr>
-  <mc:AlternateContent xmlns:mc="http://schemas.openxmlformats.org/markup-compatibility/2006">
-    <mc:Choice xmlns:p159="http://schemas.microsoft.com/office/powerpoint/2015/09/main" Requires="p159">
+  <mc:AlternateContent xmlns:mc="http://schemas.openxmlformats.org/markup-compatibility/2006" xmlns:p159="http://schemas.microsoft.com/office/powerpoint/2015/09/main">
+    <mc:Choice Requires="p159">
       <p:transition xmlns:p14="http://schemas.microsoft.com/office/powerpoint/2010/main" spd="slow" p14:dur="2000">
         <p159:morph option="byObject"/>
       </p:transition>
     </mc:Choice>
-    <mc:Fallback>
+    <mc:Fallback xmlns="">
       <p:transition spd="slow">
         <p:fade/>
       </p:transition>
@@ -11420,13 +11854,13 @@
   <p:clrMapOvr>
     <a:masterClrMapping/>
   </p:clrMapOvr>
-  <mc:AlternateContent xmlns:mc="http://schemas.openxmlformats.org/markup-compatibility/2006">
-    <mc:Choice xmlns:p159="http://schemas.microsoft.com/office/powerpoint/2015/09/main" Requires="p159">
+  <mc:AlternateContent xmlns:mc="http://schemas.openxmlformats.org/markup-compatibility/2006" xmlns:p159="http://schemas.microsoft.com/office/powerpoint/2015/09/main">
+    <mc:Choice Requires="p159">
       <p:transition xmlns:p14="http://schemas.microsoft.com/office/powerpoint/2010/main" spd="slow" p14:dur="2000">
         <p159:morph option="byObject"/>
       </p:transition>
     </mc:Choice>
-    <mc:Fallback>
+    <mc:Fallback xmlns="">
       <p:transition spd="slow">
         <p:fade/>
       </p:transition>
@@ -11625,13 +12059,13 @@
   <p:clrMapOvr>
     <a:masterClrMapping/>
   </p:clrMapOvr>
-  <mc:AlternateContent xmlns:mc="http://schemas.openxmlformats.org/markup-compatibility/2006">
-    <mc:Choice xmlns:p159="http://schemas.microsoft.com/office/powerpoint/2015/09/main" Requires="p159">
+  <mc:AlternateContent xmlns:mc="http://schemas.openxmlformats.org/markup-compatibility/2006" xmlns:p159="http://schemas.microsoft.com/office/powerpoint/2015/09/main">
+    <mc:Choice Requires="p159">
       <p:transition xmlns:p14="http://schemas.microsoft.com/office/powerpoint/2010/main" spd="slow" p14:dur="2000">
         <p159:morph option="byObject"/>
       </p:transition>
     </mc:Choice>
-    <mc:Fallback>
+    <mc:Fallback xmlns="">
       <p:transition spd="slow">
         <p:fade/>
       </p:transition>
@@ -11955,13 +12389,13 @@
   <p:clrMapOvr>
     <a:masterClrMapping/>
   </p:clrMapOvr>
-  <mc:AlternateContent xmlns:mc="http://schemas.openxmlformats.org/markup-compatibility/2006">
-    <mc:Choice xmlns:p159="http://schemas.microsoft.com/office/powerpoint/2015/09/main" Requires="p159">
+  <mc:AlternateContent xmlns:mc="http://schemas.openxmlformats.org/markup-compatibility/2006" xmlns:p159="http://schemas.microsoft.com/office/powerpoint/2015/09/main">
+    <mc:Choice Requires="p159">
       <p:transition xmlns:p14="http://schemas.microsoft.com/office/powerpoint/2010/main" spd="slow" p14:dur="2000">
         <p159:morph option="byObject"/>
       </p:transition>
     </mc:Choice>
-    <mc:Fallback>
+    <mc:Fallback xmlns="">
       <p:transition spd="slow">
         <p:fade/>
       </p:transition>
@@ -12279,13 +12713,13 @@
   <p:clrMapOvr>
     <a:masterClrMapping/>
   </p:clrMapOvr>
-  <mc:AlternateContent xmlns:mc="http://schemas.openxmlformats.org/markup-compatibility/2006">
-    <mc:Choice xmlns:p159="http://schemas.microsoft.com/office/powerpoint/2015/09/main" Requires="p159">
+  <mc:AlternateContent xmlns:mc="http://schemas.openxmlformats.org/markup-compatibility/2006" xmlns:p159="http://schemas.microsoft.com/office/powerpoint/2015/09/main">
+    <mc:Choice Requires="p159">
       <p:transition xmlns:p14="http://schemas.microsoft.com/office/powerpoint/2010/main" spd="slow" p14:dur="2000">
         <p159:morph option="byObject"/>
       </p:transition>
     </mc:Choice>
-    <mc:Fallback>
+    <mc:Fallback xmlns="">
       <p:transition spd="slow">
         <p:fade/>
       </p:transition>
